--- a/Daily Agendas/Day12.4_AsciiEncoding.pptx
+++ b/Daily Agendas/Day12.4_AsciiEncoding.pptx
@@ -3510,15 +3510,7 @@
           <a:p>
             <a:r>
               <a:rPr lang="en-US" dirty="0" smtClean="0"/>
-              <a:t>ASCII Encoding – </a:t>
-            </a:r>
-            <a:r>
-              <a:rPr lang="en-US" dirty="0" smtClean="0"/>
-              <a:t>Nov </a:t>
-            </a:r>
-            <a:r>
-              <a:rPr lang="en-US" dirty="0" smtClean="0"/>
-              <a:t>21</a:t>
+              <a:t>ASCII Encoding – Nov 21</a:t>
             </a:r>
             <a:endParaRPr lang="en-US" dirty="0"/>
           </a:p>
@@ -3537,7 +3529,7 @@
         <p:spPr/>
         <p:txBody>
           <a:bodyPr>
-            <a:normAutofit/>
+            <a:normAutofit lnSpcReduction="10000"/>
           </a:bodyPr>
           <a:lstStyle/>
           <a:p>
@@ -3596,25 +3588,12 @@
               <a:rPr lang="en-CA" dirty="0" smtClean="0"/>
               <a:t>Previous Work</a:t>
             </a:r>
-            <a:endParaRPr lang="en-CA" dirty="0" smtClean="0"/>
           </a:p>
           <a:p>
             <a:pPr lvl="2"/>
             <a:r>
               <a:rPr lang="en-CA" dirty="0" smtClean="0"/>
-              <a:t>A.5 </a:t>
-            </a:r>
-            <a:r>
-              <a:rPr lang="en-CA" dirty="0" smtClean="0"/>
-              <a:t>Student </a:t>
-            </a:r>
-            <a:r>
-              <a:rPr lang="en-CA" dirty="0" smtClean="0"/>
-              <a:t>Questions </a:t>
-            </a:r>
-            <a:r>
-              <a:rPr lang="en-CA" dirty="0" smtClean="0"/>
-              <a:t>1 to 6</a:t>
+              <a:t>A.5 Student Questions 1 to 6</a:t>
             </a:r>
           </a:p>
           <a:p>
@@ -3631,11 +3610,30 @@
             <a:pPr lvl="1"/>
             <a:r>
               <a:rPr lang="en-CA" sz="2400" dirty="0" smtClean="0"/>
-              <a:t>Tomorrow: </a:t>
+              <a:t>Tomorrow</a:t>
+            </a:r>
+            <a:r>
+              <a:rPr lang="en-CA" sz="2400" smtClean="0"/>
+              <a:t>: </a:t>
+            </a:r>
+            <a:r>
+              <a:rPr lang="en-CA" sz="2400" smtClean="0"/>
+              <a:t>Complete </a:t>
             </a:r>
             <a:r>
               <a:rPr lang="en-CA" sz="2400" dirty="0" smtClean="0"/>
-              <a:t>Continue B.7 ASCII Encoding</a:t>
+              <a:t>B.7 ASCII </a:t>
+            </a:r>
+            <a:r>
+              <a:rPr lang="en-CA" sz="2400" dirty="0" smtClean="0"/>
+              <a:t>Encoding</a:t>
+            </a:r>
+          </a:p>
+          <a:p>
+            <a:pPr lvl="1"/>
+            <a:r>
+              <a:rPr lang="en-CA" sz="2400" dirty="0" smtClean="0"/>
+              <a:t>Monday: B.8 Reading &amp; Writing Files</a:t>
             </a:r>
             <a:endParaRPr lang="en-CA" sz="2400" dirty="0"/>
           </a:p>
